--- a/Arthur_presentation_crypto.pptx
+++ b/Arthur_presentation_crypto.pptx
@@ -3384,17 +3384,18 @@
           <a:p>
             <a:pPr algn="ctr"/>
             <a:r>
-              <a:rPr lang="fr-FR" sz="3600" dirty="0"/>
+              <a:rPr lang="fr-FR" sz="3600" dirty="0">
+                <a:hlinkClick r:id="rId3"/>
+              </a:rPr>
               <a:t>Lien </a:t>
             </a:r>
             <a:r>
-              <a:rPr lang="fr-FR" sz="3600"/>
-              <a:t>Githu</a:t>
-            </a:r>
-            <a:r>
-              <a:rPr lang="fr-FR" sz="3600" dirty="0"/>
-              <a:t>b</a:t>
-            </a:r>
+              <a:rPr lang="fr-FR" sz="3600" dirty="0" err="1">
+                <a:hlinkClick r:id="rId3"/>
+              </a:rPr>
+              <a:t>Github</a:t>
+            </a:r>
+            <a:endParaRPr lang="fr-FR" sz="3600" dirty="0"/>
           </a:p>
         </p:txBody>
       </p:sp>
